--- a/git/squash.pptx
+++ b/git/squash.pptx
@@ -104,6 +104,11 @@
       </a:defRPr>
     </a:lvl9pPr>
   </p:defaultTextStyle>
+  <p:extLst>
+    <p:ext uri="{EFAFB233-063F-42B5-8137-9DF3F51BA10A}">
+      <p15:sldGuideLst xmlns:p15="http://schemas.microsoft.com/office/powerpoint/2012/main"/>
+    </p:ext>
+  </p:extLst>
 </p:presentation>
 </file>
 
@@ -2975,7 +2980,7 @@
         </p:nvCxnSpPr>
         <p:spPr>
           <a:xfrm>
-            <a:off x="3305647" y="4753885"/>
+            <a:off x="3433983" y="4769927"/>
             <a:ext cx="5565352" cy="0"/>
           </a:xfrm>
           <a:prstGeom prst="straightConnector1">
@@ -3014,7 +3019,7 @@
         </p:nvCxnSpPr>
         <p:spPr>
           <a:xfrm flipV="1">
-            <a:off x="3509745" y="3466087"/>
+            <a:off x="3638081" y="3482129"/>
             <a:ext cx="5084869" cy="10827"/>
           </a:xfrm>
           <a:prstGeom prst="straightConnector1">
@@ -3056,7 +3061,7 @@
         </p:nvCxnSpPr>
         <p:spPr>
           <a:xfrm>
-            <a:off x="8705825" y="3564941"/>
+            <a:off x="8834161" y="3580983"/>
             <a:ext cx="276385" cy="1090090"/>
           </a:xfrm>
           <a:prstGeom prst="straightConnector1">
@@ -3093,7 +3098,7 @@
         </p:nvSpPr>
         <p:spPr>
           <a:xfrm>
-            <a:off x="8594614" y="3367233"/>
+            <a:off x="8722950" y="3383275"/>
             <a:ext cx="222421" cy="197708"/>
           </a:xfrm>
           <a:prstGeom prst="ellipse">
@@ -3141,7 +3146,7 @@
         </p:nvSpPr>
         <p:spPr>
           <a:xfrm>
-            <a:off x="8870999" y="4655031"/>
+            <a:off x="8999335" y="4671073"/>
             <a:ext cx="222421" cy="197708"/>
           </a:xfrm>
           <a:prstGeom prst="ellipse">
@@ -3187,7 +3192,7 @@
         </p:nvSpPr>
         <p:spPr>
           <a:xfrm>
-            <a:off x="3083226" y="4655031"/>
+            <a:off x="3211562" y="4671073"/>
             <a:ext cx="222421" cy="197708"/>
           </a:xfrm>
           <a:prstGeom prst="ellipse">
@@ -3235,7 +3240,7 @@
         </p:nvCxnSpPr>
         <p:spPr>
           <a:xfrm>
-            <a:off x="2158316" y="4753885"/>
+            <a:off x="2286652" y="4769927"/>
             <a:ext cx="924910" cy="0"/>
           </a:xfrm>
           <a:prstGeom prst="straightConnector1">
@@ -3274,7 +3279,7 @@
         </p:nvCxnSpPr>
         <p:spPr>
           <a:xfrm flipV="1">
-            <a:off x="3194437" y="3551054"/>
+            <a:off x="3322773" y="3567096"/>
             <a:ext cx="231900" cy="1103977"/>
           </a:xfrm>
           <a:prstGeom prst="straightConnector1">
@@ -3311,7 +3316,7 @@
         </p:nvSpPr>
         <p:spPr>
           <a:xfrm>
-            <a:off x="3705720" y="3006531"/>
+            <a:off x="3834056" y="3022573"/>
             <a:ext cx="968682" cy="369332"/>
           </a:xfrm>
           <a:prstGeom prst="rect">
@@ -3353,7 +3358,7 @@
         </p:nvSpPr>
         <p:spPr>
           <a:xfrm>
-            <a:off x="2093692" y="4315119"/>
+            <a:off x="2222028" y="4331161"/>
             <a:ext cx="738888" cy="369332"/>
           </a:xfrm>
           <a:prstGeom prst="rect">
@@ -3383,7 +3388,7 @@
         </p:nvSpPr>
         <p:spPr>
           <a:xfrm>
-            <a:off x="4945006" y="3372004"/>
+            <a:off x="5073342" y="3388046"/>
             <a:ext cx="166816" cy="148281"/>
           </a:xfrm>
           <a:prstGeom prst="ellipse">
@@ -3433,7 +3438,7 @@
         </p:nvSpPr>
         <p:spPr>
           <a:xfrm>
-            <a:off x="5799291" y="3375559"/>
+            <a:off x="5927627" y="3391601"/>
             <a:ext cx="166816" cy="148281"/>
           </a:xfrm>
           <a:prstGeom prst="ellipse">
@@ -3483,7 +3488,7 @@
         </p:nvSpPr>
         <p:spPr>
           <a:xfrm>
-            <a:off x="8050700" y="3375863"/>
+            <a:off x="8179036" y="3391905"/>
             <a:ext cx="166816" cy="148281"/>
           </a:xfrm>
           <a:prstGeom prst="ellipse">
@@ -3533,7 +3538,7 @@
         </p:nvSpPr>
         <p:spPr>
           <a:xfrm>
-            <a:off x="7116921" y="3375559"/>
+            <a:off x="7245257" y="3391601"/>
             <a:ext cx="166816" cy="148281"/>
           </a:xfrm>
           <a:prstGeom prst="ellipse">
@@ -3583,7 +3588,7 @@
         </p:nvSpPr>
         <p:spPr>
           <a:xfrm>
-            <a:off x="6400995" y="3375805"/>
+            <a:off x="6529331" y="3391847"/>
             <a:ext cx="166816" cy="148281"/>
           </a:xfrm>
           <a:prstGeom prst="ellipse">
@@ -3633,7 +3638,7 @@
         </p:nvSpPr>
         <p:spPr>
           <a:xfrm>
-            <a:off x="7482244" y="3375559"/>
+            <a:off x="7610580" y="3391601"/>
             <a:ext cx="166816" cy="148281"/>
           </a:xfrm>
           <a:prstGeom prst="ellipse">
@@ -3683,7 +3688,7 @@
         </p:nvSpPr>
         <p:spPr>
           <a:xfrm>
-            <a:off x="3342929" y="3402773"/>
+            <a:off x="3471265" y="3418815"/>
             <a:ext cx="166816" cy="148281"/>
           </a:xfrm>
           <a:prstGeom prst="ellipse">
@@ -3733,8 +3738,8 @@
         </p:nvSpPr>
         <p:spPr>
           <a:xfrm>
-            <a:off x="1403879" y="1217441"/>
-            <a:ext cx="7194398" cy="954107"/>
+            <a:off x="1532214" y="1522239"/>
+            <a:ext cx="8718689" cy="523220"/>
           </a:xfrm>
           <a:prstGeom prst="rect">
             <a:avLst/>
@@ -3748,40 +3753,16 @@
           <a:lstStyle/>
           <a:p>
             <a:r>
-              <a:rPr lang="nb-NO" sz="2800" dirty="0" smtClean="0"/>
-              <a:t>Squash all </a:t>
-            </a:r>
-            <a:r>
-              <a:rPr lang="nb-NO" sz="2800" dirty="0" err="1" smtClean="0"/>
-              <a:t>commits</a:t>
+              <a:rPr lang="nb-NO" sz="2800" b="1" dirty="0" err="1" smtClean="0"/>
+              <a:t>What</a:t>
             </a:r>
             <a:r>
               <a:rPr lang="nb-NO" sz="2800" dirty="0" smtClean="0"/>
               <a:t> </a:t>
             </a:r>
             <a:r>
-              <a:rPr lang="nb-NO" sz="2800" dirty="0" err="1" smtClean="0"/>
-              <a:t>into</a:t>
-            </a:r>
-            <a:r>
               <a:rPr lang="nb-NO" sz="2800" dirty="0" smtClean="0"/>
-              <a:t> </a:t>
-            </a:r>
-            <a:r>
-              <a:rPr lang="nb-NO" sz="2800" dirty="0" err="1" smtClean="0"/>
-              <a:t>one</a:t>
-            </a:r>
-            <a:r>
-              <a:rPr lang="nb-NO" sz="2800" dirty="0" smtClean="0"/>
-              <a:t>. </a:t>
-            </a:r>
-            <a:r>
-              <a:rPr lang="nb-NO" sz="2800" dirty="0" err="1" smtClean="0"/>
-              <a:t>What</a:t>
-            </a:r>
-            <a:r>
-              <a:rPr lang="nb-NO" sz="2800" dirty="0" smtClean="0"/>
-              <a:t> has </a:t>
+              <a:t>has </a:t>
             </a:r>
             <a:r>
               <a:rPr lang="nb-NO" sz="2800" dirty="0" err="1" smtClean="0"/>
@@ -3797,35 +3778,31 @@
             </a:r>
             <a:r>
               <a:rPr lang="nb-NO" sz="2800" dirty="0" smtClean="0"/>
-              <a:t>, not </a:t>
-            </a:r>
-            <a:r>
-              <a:rPr lang="nb-NO" sz="2800" dirty="0" err="1" smtClean="0"/>
-              <a:t>its</a:t>
-            </a:r>
-            <a:r>
-              <a:rPr lang="nb-NO" sz="2800" dirty="0" smtClean="0"/>
-              <a:t> </a:t>
-            </a:r>
-            <a:r>
-              <a:rPr lang="nb-NO" sz="2800" dirty="0" err="1" smtClean="0"/>
-              <a:t>way</a:t>
-            </a:r>
-            <a:r>
-              <a:rPr lang="nb-NO" sz="2800" dirty="0" smtClean="0"/>
-              <a:t> to </a:t>
-            </a:r>
-            <a:r>
-              <a:rPr lang="nb-NO" sz="2800" dirty="0" err="1" smtClean="0"/>
-              <a:t>get</a:t>
-            </a:r>
-            <a:r>
-              <a:rPr lang="nb-NO" sz="2800" dirty="0" smtClean="0"/>
-              <a:t> </a:t>
-            </a:r>
-            <a:r>
-              <a:rPr lang="nb-NO" sz="2800" dirty="0" err="1" smtClean="0"/>
-              <a:t>there</a:t>
+              <a:t>, </a:t>
+            </a:r>
+            <a:r>
+              <a:rPr lang="nb-NO" sz="2800" b="1" dirty="0" smtClean="0">
+                <a:solidFill>
+                  <a:srgbClr val="C1C1C1"/>
+                </a:solidFill>
+              </a:rPr>
+              <a:t>not </a:t>
+            </a:r>
+            <a:r>
+              <a:rPr lang="nb-NO" sz="2800" b="1" dirty="0" err="1">
+                <a:solidFill>
+                  <a:srgbClr val="C1C1C1"/>
+                </a:solidFill>
+              </a:rPr>
+              <a:t>h</a:t>
+            </a:r>
+            <a:r>
+              <a:rPr lang="nb-NO" sz="2800" b="1" dirty="0" err="1" smtClean="0">
+                <a:solidFill>
+                  <a:srgbClr val="C1C1C1"/>
+                </a:solidFill>
+              </a:rPr>
+              <a:t>ow</a:t>
             </a:r>
             <a:r>
               <a:rPr lang="nb-NO" sz="2800" dirty="0" smtClean="0"/>
@@ -3843,7 +3820,7 @@
         </p:nvSpPr>
         <p:spPr>
           <a:xfrm>
-            <a:off x="8803160" y="5261847"/>
+            <a:off x="8931496" y="5277889"/>
             <a:ext cx="1168578" cy="307777"/>
           </a:xfrm>
           <a:prstGeom prst="rect">
@@ -3885,7 +3862,7 @@
         </p:nvSpPr>
         <p:spPr>
           <a:xfrm>
-            <a:off x="1403879" y="2129844"/>
+            <a:off x="1548257" y="2033592"/>
             <a:ext cx="3167663" cy="400110"/>
           </a:xfrm>
           <a:prstGeom prst="rect">
@@ -3900,20 +3877,32 @@
           <a:lstStyle/>
           <a:p>
             <a:r>
-              <a:rPr lang="nb-NO" sz="2000" dirty="0" err="1" smtClean="0"/>
-              <a:t>Why</a:t>
-            </a:r>
-            <a:r>
-              <a:rPr lang="nb-NO" sz="2000" dirty="0" smtClean="0"/>
+              <a:rPr lang="nb-NO" sz="2000" dirty="0"/>
+              <a:t>Squash all </a:t>
+            </a:r>
+            <a:r>
+              <a:rPr lang="nb-NO" sz="2000" dirty="0" err="1"/>
+              <a:t>commits</a:t>
+            </a:r>
+            <a:r>
+              <a:rPr lang="nb-NO" sz="2000" dirty="0"/>
               <a:t> </a:t>
             </a:r>
             <a:r>
-              <a:rPr lang="nb-NO" sz="2000" dirty="0" err="1" smtClean="0"/>
-              <a:t>git</a:t>
-            </a:r>
-            <a:r>
-              <a:rPr lang="nb-NO" sz="2000" dirty="0" smtClean="0"/>
-              <a:t> squash.</a:t>
+              <a:rPr lang="nb-NO" sz="2000" dirty="0" err="1"/>
+              <a:t>into</a:t>
+            </a:r>
+            <a:r>
+              <a:rPr lang="nb-NO" sz="2000" dirty="0"/>
+              <a:t> </a:t>
+            </a:r>
+            <a:r>
+              <a:rPr lang="nb-NO" sz="2000" dirty="0" err="1"/>
+              <a:t>one</a:t>
+            </a:r>
+            <a:r>
+              <a:rPr lang="nb-NO" sz="2000" dirty="0"/>
+              <a:t>.</a:t>
             </a:r>
             <a:endParaRPr lang="nb-NO" sz="2000" dirty="0"/>
           </a:p>

--- a/git/squash.pptx
+++ b/git/squash.pptx
@@ -3316,8 +3316,8 @@
         </p:nvSpPr>
         <p:spPr>
           <a:xfrm>
-            <a:off x="3834056" y="3022573"/>
-            <a:ext cx="968682" cy="369332"/>
+            <a:off x="3834056" y="2942363"/>
+            <a:ext cx="1239286" cy="461665"/>
           </a:xfrm>
           <a:prstGeom prst="rect">
             <a:avLst/>
@@ -3331,7 +3331,7 @@
           <a:lstStyle/>
           <a:p>
             <a:r>
-              <a:rPr lang="nb-NO" dirty="0" err="1" smtClean="0">
+              <a:rPr lang="nb-NO" sz="2400" dirty="0" err="1" smtClean="0">
                 <a:solidFill>
                   <a:schemeClr val="bg2">
                     <a:lumMod val="25000"/>
@@ -3340,7 +3340,7 @@
               </a:rPr>
               <a:t>Feature</a:t>
             </a:r>
-            <a:endParaRPr lang="nb-NO" dirty="0">
+            <a:endParaRPr lang="nb-NO" sz="2400" dirty="0">
               <a:solidFill>
                 <a:schemeClr val="bg2">
                   <a:lumMod val="25000"/>
@@ -3358,8 +3358,8 @@
         </p:nvSpPr>
         <p:spPr>
           <a:xfrm>
-            <a:off x="2222028" y="4331161"/>
-            <a:ext cx="738888" cy="369332"/>
+            <a:off x="2222028" y="4250951"/>
+            <a:ext cx="945298" cy="461665"/>
           </a:xfrm>
           <a:prstGeom prst="rect">
             <a:avLst/>
@@ -3373,10 +3373,10 @@
           <a:lstStyle/>
           <a:p>
             <a:r>
-              <a:rPr lang="nb-NO" dirty="0" smtClean="0"/>
+              <a:rPr lang="nb-NO" sz="2400" dirty="0" smtClean="0"/>
               <a:t>Trunk</a:t>
             </a:r>
-            <a:endParaRPr lang="nb-NO" dirty="0"/>
+            <a:endParaRPr lang="nb-NO" sz="2400" dirty="0"/>
           </a:p>
         </p:txBody>
       </p:sp>
@@ -3862,8 +3862,8 @@
         </p:nvSpPr>
         <p:spPr>
           <a:xfrm>
-            <a:off x="1548257" y="2033592"/>
-            <a:ext cx="3167663" cy="400110"/>
+            <a:off x="1561148" y="2027464"/>
+            <a:ext cx="3751476" cy="591806"/>
           </a:xfrm>
           <a:prstGeom prst="rect">
             <a:avLst/>
@@ -3881,8 +3881,24 @@
               <a:t>Squash all </a:t>
             </a:r>
             <a:r>
+              <a:rPr lang="nb-NO" sz="2000" dirty="0" err="1" smtClean="0"/>
+              <a:t>your</a:t>
+            </a:r>
+            <a:r>
+              <a:rPr lang="nb-NO" sz="2000" dirty="0" smtClean="0"/>
+              <a:t> </a:t>
+            </a:r>
+            <a:r>
+              <a:rPr lang="nb-NO" sz="2000" dirty="0" err="1" smtClean="0"/>
+              <a:t>commits</a:t>
+            </a:r>
+            <a:r>
+              <a:rPr lang="nb-NO" sz="2000" dirty="0" smtClean="0"/>
+              <a:t> </a:t>
+            </a:r>
+            <a:r>
               <a:rPr lang="nb-NO" sz="2000" dirty="0" err="1"/>
-              <a:t>commits</a:t>
+              <a:t>into</a:t>
             </a:r>
             <a:r>
               <a:rPr lang="nb-NO" sz="2000" dirty="0"/>
@@ -3890,21 +3906,58 @@
             </a:r>
             <a:r>
               <a:rPr lang="nb-NO" sz="2000" dirty="0" err="1"/>
-              <a:t>into</a:t>
-            </a:r>
-            <a:r>
-              <a:rPr lang="nb-NO" sz="2000" dirty="0"/>
-              <a:t> </a:t>
-            </a:r>
-            <a:r>
-              <a:rPr lang="nb-NO" sz="2000" dirty="0" err="1"/>
               <a:t>one</a:t>
             </a:r>
             <a:r>
               <a:rPr lang="nb-NO" sz="2000" dirty="0"/>
               <a:t>.</a:t>
             </a:r>
-            <a:endParaRPr lang="nb-NO" sz="2000" dirty="0"/>
+          </a:p>
+        </p:txBody>
+      </p:sp>
+      <p:sp>
+        <p:nvSpPr>
+          <p:cNvPr id="2" name="TekstSylinder 1"/>
+          <p:cNvSpPr txBox="1"/>
+          <p:nvPr/>
+        </p:nvSpPr>
+        <p:spPr>
+          <a:xfrm>
+            <a:off x="5866006" y="3864469"/>
+            <a:ext cx="551754" cy="461665"/>
+          </a:xfrm>
+          <a:prstGeom prst="rect">
+            <a:avLst/>
+          </a:prstGeom>
+          <a:solidFill>
+            <a:schemeClr val="bg2"/>
+          </a:solidFill>
+        </p:spPr>
+        <p:txBody>
+          <a:bodyPr wrap="none" rtlCol="0">
+            <a:spAutoFit/>
+          </a:bodyPr>
+          <a:lstStyle/>
+          <a:p>
+            <a:r>
+              <a:rPr lang="nb-NO" sz="2400" i="1" dirty="0" err="1" smtClean="0">
+                <a:solidFill>
+                  <a:schemeClr val="tx1">
+                    <a:lumMod val="65000"/>
+                    <a:lumOff val="35000"/>
+                  </a:schemeClr>
+                </a:solidFill>
+              </a:rPr>
+              <a:t>Git</a:t>
+            </a:r>
+            <a:endParaRPr lang="nb-NO" sz="2400" i="1" dirty="0">
+              <a:solidFill>
+                <a:schemeClr val="tx1">
+                  <a:lumMod val="65000"/>
+                  <a:lumOff val="35000"/>
+                </a:schemeClr>
+              </a:solidFill>
+            </a:endParaRPr>
           </a:p>
         </p:txBody>
       </p:sp>

--- a/git/squash.pptx
+++ b/git/squash.pptx
@@ -243,7 +243,7 @@
           <a:p>
             <a:fld id="{A8D309EC-C9BD-435F-9C4D-5DFB0F0F8F19}" type="datetimeFigureOut">
               <a:rPr lang="nb-NO" smtClean="0"/>
-              <a:t>15.06.2018</a:t>
+              <a:t>27.06.2018</a:t>
             </a:fld>
             <a:endParaRPr lang="nb-NO"/>
           </a:p>
@@ -413,7 +413,7 @@
           <a:p>
             <a:fld id="{A8D309EC-C9BD-435F-9C4D-5DFB0F0F8F19}" type="datetimeFigureOut">
               <a:rPr lang="nb-NO" smtClean="0"/>
-              <a:t>15.06.2018</a:t>
+              <a:t>27.06.2018</a:t>
             </a:fld>
             <a:endParaRPr lang="nb-NO"/>
           </a:p>
@@ -593,7 +593,7 @@
           <a:p>
             <a:fld id="{A8D309EC-C9BD-435F-9C4D-5DFB0F0F8F19}" type="datetimeFigureOut">
               <a:rPr lang="nb-NO" smtClean="0"/>
-              <a:t>15.06.2018</a:t>
+              <a:t>27.06.2018</a:t>
             </a:fld>
             <a:endParaRPr lang="nb-NO"/>
           </a:p>
@@ -763,7 +763,7 @@
           <a:p>
             <a:fld id="{A8D309EC-C9BD-435F-9C4D-5DFB0F0F8F19}" type="datetimeFigureOut">
               <a:rPr lang="nb-NO" smtClean="0"/>
-              <a:t>15.06.2018</a:t>
+              <a:t>27.06.2018</a:t>
             </a:fld>
             <a:endParaRPr lang="nb-NO"/>
           </a:p>
@@ -1009,7 +1009,7 @@
           <a:p>
             <a:fld id="{A8D309EC-C9BD-435F-9C4D-5DFB0F0F8F19}" type="datetimeFigureOut">
               <a:rPr lang="nb-NO" smtClean="0"/>
-              <a:t>15.06.2018</a:t>
+              <a:t>27.06.2018</a:t>
             </a:fld>
             <a:endParaRPr lang="nb-NO"/>
           </a:p>
@@ -1241,7 +1241,7 @@
           <a:p>
             <a:fld id="{A8D309EC-C9BD-435F-9C4D-5DFB0F0F8F19}" type="datetimeFigureOut">
               <a:rPr lang="nb-NO" smtClean="0"/>
-              <a:t>15.06.2018</a:t>
+              <a:t>27.06.2018</a:t>
             </a:fld>
             <a:endParaRPr lang="nb-NO"/>
           </a:p>
@@ -1608,7 +1608,7 @@
           <a:p>
             <a:fld id="{A8D309EC-C9BD-435F-9C4D-5DFB0F0F8F19}" type="datetimeFigureOut">
               <a:rPr lang="nb-NO" smtClean="0"/>
-              <a:t>15.06.2018</a:t>
+              <a:t>27.06.2018</a:t>
             </a:fld>
             <a:endParaRPr lang="nb-NO"/>
           </a:p>
@@ -1726,7 +1726,7 @@
           <a:p>
             <a:fld id="{A8D309EC-C9BD-435F-9C4D-5DFB0F0F8F19}" type="datetimeFigureOut">
               <a:rPr lang="nb-NO" smtClean="0"/>
-              <a:t>15.06.2018</a:t>
+              <a:t>27.06.2018</a:t>
             </a:fld>
             <a:endParaRPr lang="nb-NO"/>
           </a:p>
@@ -1821,7 +1821,7 @@
           <a:p>
             <a:fld id="{A8D309EC-C9BD-435F-9C4D-5DFB0F0F8F19}" type="datetimeFigureOut">
               <a:rPr lang="nb-NO" smtClean="0"/>
-              <a:t>15.06.2018</a:t>
+              <a:t>27.06.2018</a:t>
             </a:fld>
             <a:endParaRPr lang="nb-NO"/>
           </a:p>
@@ -2098,7 +2098,7 @@
           <a:p>
             <a:fld id="{A8D309EC-C9BD-435F-9C4D-5DFB0F0F8F19}" type="datetimeFigureOut">
               <a:rPr lang="nb-NO" smtClean="0"/>
-              <a:t>15.06.2018</a:t>
+              <a:t>27.06.2018</a:t>
             </a:fld>
             <a:endParaRPr lang="nb-NO"/>
           </a:p>
@@ -2351,7 +2351,7 @@
           <a:p>
             <a:fld id="{A8D309EC-C9BD-435F-9C4D-5DFB0F0F8F19}" type="datetimeFigureOut">
               <a:rPr lang="nb-NO" smtClean="0"/>
-              <a:t>15.06.2018</a:t>
+              <a:t>27.06.2018</a:t>
             </a:fld>
             <a:endParaRPr lang="nb-NO"/>
           </a:p>
@@ -2564,7 +2564,7 @@
           <a:p>
             <a:fld id="{A8D309EC-C9BD-435F-9C4D-5DFB0F0F8F19}" type="datetimeFigureOut">
               <a:rPr lang="nb-NO" smtClean="0"/>
-              <a:t>15.06.2018</a:t>
+              <a:t>27.06.2018</a:t>
             </a:fld>
             <a:endParaRPr lang="nb-NO"/>
           </a:p>
@@ -2980,13 +2980,13 @@
         </p:nvCxnSpPr>
         <p:spPr>
           <a:xfrm>
-            <a:off x="3433983" y="4769927"/>
-            <a:ext cx="5565352" cy="0"/>
+            <a:off x="3485595" y="4769927"/>
+            <a:ext cx="5462127" cy="0"/>
           </a:xfrm>
           <a:prstGeom prst="straightConnector1">
             <a:avLst/>
           </a:prstGeom>
-          <a:ln w="63500" cmpd="sng">
+          <a:ln w="101600" cmpd="sng">
             <a:solidFill>
               <a:schemeClr val="tx1"/>
             </a:solidFill>
@@ -3020,16 +3020,16 @@
         <p:spPr>
           <a:xfrm flipV="1">
             <a:off x="3638081" y="3482129"/>
-            <a:ext cx="5084869" cy="10827"/>
+            <a:ext cx="5084869" cy="0"/>
           </a:xfrm>
           <a:prstGeom prst="straightConnector1">
             <a:avLst/>
           </a:prstGeom>
-          <a:ln w="25400">
+          <a:ln w="101600">
             <a:solidFill>
               <a:schemeClr val="tx1">
-                <a:lumMod val="65000"/>
-                <a:lumOff val="35000"/>
+                <a:lumMod val="50000"/>
+                <a:lumOff val="50000"/>
               </a:schemeClr>
             </a:solidFill>
             <a:tailEnd type="triangle"/>
@@ -3062,7 +3062,7 @@
         <p:spPr>
           <a:xfrm>
             <a:off x="8834161" y="3580983"/>
-            <a:ext cx="276385" cy="1090090"/>
+            <a:ext cx="276384" cy="1029738"/>
           </a:xfrm>
           <a:prstGeom prst="straightConnector1">
             <a:avLst/>
@@ -3146,8 +3146,8 @@
         </p:nvSpPr>
         <p:spPr>
           <a:xfrm>
-            <a:off x="8999335" y="4671073"/>
-            <a:ext cx="222421" cy="197708"/>
+            <a:off x="8947722" y="4610721"/>
+            <a:ext cx="325646" cy="318412"/>
           </a:xfrm>
           <a:prstGeom prst="ellipse">
             <a:avLst/>
@@ -3155,8 +3155,10 @@
           <a:solidFill>
             <a:schemeClr val="tx1"/>
           </a:solidFill>
-          <a:ln>
-            <a:noFill/>
+          <a:ln w="60325" cmpd="sng">
+            <a:solidFill>
+              <a:schemeClr val="tx1"/>
+            </a:solidFill>
           </a:ln>
         </p:spPr>
         <p:style>
@@ -3192,8 +3194,8 @@
         </p:nvSpPr>
         <p:spPr>
           <a:xfrm>
-            <a:off x="3211562" y="4671073"/>
-            <a:ext cx="222421" cy="197708"/>
+            <a:off x="3159949" y="4610721"/>
+            <a:ext cx="325646" cy="318412"/>
           </a:xfrm>
           <a:prstGeom prst="ellipse">
             <a:avLst/>
@@ -3201,8 +3203,10 @@
           <a:solidFill>
             <a:schemeClr val="tx1"/>
           </a:solidFill>
-          <a:ln>
-            <a:noFill/>
+          <a:ln w="60325" cmpd="sng">
+            <a:solidFill>
+              <a:schemeClr val="tx1"/>
+            </a:solidFill>
           </a:ln>
         </p:spPr>
         <p:style>
@@ -3241,7 +3245,7 @@
         <p:spPr>
           <a:xfrm>
             <a:off x="2286652" y="4769927"/>
-            <a:ext cx="924910" cy="0"/>
+            <a:ext cx="873297" cy="0"/>
           </a:xfrm>
           <a:prstGeom prst="straightConnector1">
             <a:avLst/>
@@ -3279,8 +3283,8 @@
         </p:nvCxnSpPr>
         <p:spPr>
           <a:xfrm flipV="1">
-            <a:off x="3322773" y="3567096"/>
-            <a:ext cx="231900" cy="1103977"/>
+            <a:off x="3322772" y="3567096"/>
+            <a:ext cx="231901" cy="1043625"/>
           </a:xfrm>
           <a:prstGeom prst="straightConnector1">
             <a:avLst/>
@@ -3316,8 +3320,8 @@
         </p:nvSpPr>
         <p:spPr>
           <a:xfrm>
-            <a:off x="3834056" y="2942363"/>
-            <a:ext cx="1239286" cy="461665"/>
+            <a:off x="2226288" y="3078291"/>
+            <a:ext cx="1239286" cy="369332"/>
           </a:xfrm>
           <a:prstGeom prst="rect">
             <a:avLst/>
@@ -3331,22 +3335,10 @@
           <a:lstStyle/>
           <a:p>
             <a:r>
-              <a:rPr lang="nb-NO" sz="2400" dirty="0" err="1" smtClean="0">
-                <a:solidFill>
-                  <a:schemeClr val="bg2">
-                    <a:lumMod val="25000"/>
-                  </a:schemeClr>
-                </a:solidFill>
-              </a:rPr>
+              <a:rPr lang="nb-NO" dirty="0" err="1" smtClean="0"/>
               <a:t>Feature</a:t>
             </a:r>
-            <a:endParaRPr lang="nb-NO" sz="2400" dirty="0">
-              <a:solidFill>
-                <a:schemeClr val="bg2">
-                  <a:lumMod val="25000"/>
-                </a:schemeClr>
-              </a:solidFill>
-            </a:endParaRPr>
+            <a:endParaRPr lang="nb-NO" dirty="0"/>
           </a:p>
         </p:txBody>
       </p:sp>
@@ -3358,8 +3350,8 @@
         </p:nvSpPr>
         <p:spPr>
           <a:xfrm>
-            <a:off x="2222028" y="4250951"/>
-            <a:ext cx="945298" cy="461665"/>
+            <a:off x="2222028" y="4299077"/>
+            <a:ext cx="945298" cy="369332"/>
           </a:xfrm>
           <a:prstGeom prst="rect">
             <a:avLst/>
@@ -3373,10 +3365,10 @@
           <a:lstStyle/>
           <a:p>
             <a:r>
-              <a:rPr lang="nb-NO" sz="2400" dirty="0" smtClean="0"/>
+              <a:rPr lang="nb-NO" dirty="0" smtClean="0"/>
               <a:t>Trunk</a:t>
             </a:r>
-            <a:endParaRPr lang="nb-NO" sz="2400" dirty="0"/>
+            <a:endParaRPr lang="nb-NO" dirty="0"/>
           </a:p>
         </p:txBody>
       </p:sp>
@@ -3758,11 +3750,7 @@
             </a:r>
             <a:r>
               <a:rPr lang="nb-NO" sz="2800" dirty="0" smtClean="0"/>
-              <a:t> </a:t>
-            </a:r>
-            <a:r>
-              <a:rPr lang="nb-NO" sz="2800" dirty="0" smtClean="0"/>
-              <a:t>has </a:t>
+              <a:t> has </a:t>
             </a:r>
             <a:r>
               <a:rPr lang="nb-NO" sz="2800" dirty="0" err="1" smtClean="0"/>
@@ -3773,36 +3761,64 @@
               <a:t> is </a:t>
             </a:r>
             <a:r>
-              <a:rPr lang="nb-NO" sz="2800" dirty="0" err="1" smtClean="0"/>
-              <a:t>important</a:t>
-            </a:r>
-            <a:r>
               <a:rPr lang="nb-NO" sz="2800" dirty="0" smtClean="0"/>
-              <a:t>, </a:t>
+              <a:t>relevant, </a:t>
             </a:r>
             <a:r>
               <a:rPr lang="nb-NO" sz="2800" b="1" dirty="0" smtClean="0">
                 <a:solidFill>
-                  <a:srgbClr val="C1C1C1"/>
+                  <a:srgbClr val="7F7F7F"/>
                 </a:solidFill>
               </a:rPr>
               <a:t>not </a:t>
             </a:r>
             <a:r>
-              <a:rPr lang="nb-NO" sz="2800" b="1" dirty="0" err="1">
+              <a:rPr lang="nb-NO" sz="2800" b="1" dirty="0">
                 <a:solidFill>
-                  <a:srgbClr val="C1C1C1"/>
+                  <a:srgbClr val="7F7F7F"/>
                 </a:solidFill>
               </a:rPr>
-              <a:t>h</a:t>
+              <a:t>H</a:t>
+            </a:r>
+            <a:r>
+              <a:rPr lang="nb-NO" sz="2800" b="1" dirty="0" smtClean="0">
+                <a:solidFill>
+                  <a:srgbClr val="7F7F7F"/>
+                </a:solidFill>
+              </a:rPr>
+              <a:t>ow </a:t>
             </a:r>
             <a:r>
               <a:rPr lang="nb-NO" sz="2800" b="1" dirty="0" err="1" smtClean="0">
                 <a:solidFill>
-                  <a:srgbClr val="C1C1C1"/>
+                  <a:srgbClr val="7F7F7F"/>
                 </a:solidFill>
               </a:rPr>
-              <a:t>ow</a:t>
+              <a:t>we</a:t>
+            </a:r>
+            <a:r>
+              <a:rPr lang="nb-NO" sz="2800" b="1" dirty="0" smtClean="0">
+                <a:solidFill>
+                  <a:srgbClr val="7F7F7F"/>
+                </a:solidFill>
+              </a:rPr>
+              <a:t> </a:t>
+            </a:r>
+            <a:r>
+              <a:rPr lang="nb-NO" sz="2800" b="1" dirty="0" err="1" smtClean="0">
+                <a:solidFill>
+                  <a:srgbClr val="7F7F7F"/>
+                </a:solidFill>
+              </a:rPr>
+              <a:t>changed</a:t>
+            </a:r>
+            <a:r>
+              <a:rPr lang="nb-NO" sz="2800" b="1" dirty="0" smtClean="0">
+                <a:solidFill>
+                  <a:srgbClr val="7F7F7F"/>
+                </a:solidFill>
+              </a:rPr>
+              <a:t> it</a:t>
             </a:r>
             <a:r>
               <a:rPr lang="nb-NO" sz="2800" dirty="0" smtClean="0"/>
@@ -3820,7 +3836,7 @@
         </p:nvSpPr>
         <p:spPr>
           <a:xfrm>
-            <a:off x="8931496" y="5277889"/>
+            <a:off x="8386068" y="5277889"/>
             <a:ext cx="1168578" cy="307777"/>
           </a:xfrm>
           <a:prstGeom prst="rect">
@@ -3923,7 +3939,7 @@
         </p:nvSpPr>
         <p:spPr>
           <a:xfrm>
-            <a:off x="5866006" y="3864469"/>
+            <a:off x="2328018" y="3669627"/>
             <a:ext cx="551754" cy="461665"/>
           </a:xfrm>
           <a:prstGeom prst="rect">
@@ -3940,7 +3956,7 @@
           <a:lstStyle/>
           <a:p>
             <a:r>
-              <a:rPr lang="nb-NO" sz="2400" i="1" dirty="0" err="1" smtClean="0">
+              <a:rPr lang="nb-NO" sz="2400" dirty="0" err="1" smtClean="0">
                 <a:solidFill>
                   <a:schemeClr val="tx1">
                     <a:lumMod val="65000"/>
@@ -3950,7 +3966,7 @@
               </a:rPr>
               <a:t>Git</a:t>
             </a:r>
-            <a:endParaRPr lang="nb-NO" sz="2400" i="1" dirty="0">
+            <a:endParaRPr lang="nb-NO" sz="2400" dirty="0">
               <a:solidFill>
                 <a:schemeClr val="tx1">
                   <a:lumMod val="65000"/>
@@ -3958,6 +3974,74 @@
                 </a:schemeClr>
               </a:solidFill>
             </a:endParaRPr>
+          </a:p>
+        </p:txBody>
+      </p:sp>
+      <p:sp>
+        <p:nvSpPr>
+          <p:cNvPr id="3" name="TekstSylinder 2"/>
+          <p:cNvSpPr txBox="1"/>
+          <p:nvPr/>
+        </p:nvSpPr>
+        <p:spPr>
+          <a:xfrm>
+            <a:off x="5663730" y="2839113"/>
+            <a:ext cx="970907" cy="584775"/>
+          </a:xfrm>
+          <a:prstGeom prst="rect">
+            <a:avLst/>
+          </a:prstGeom>
+          <a:noFill/>
+        </p:spPr>
+        <p:txBody>
+          <a:bodyPr wrap="none" rtlCol="0">
+            <a:spAutoFit/>
+          </a:bodyPr>
+          <a:lstStyle/>
+          <a:p>
+            <a:r>
+              <a:rPr lang="nb-NO" sz="3200" b="1" dirty="0" smtClean="0">
+                <a:solidFill>
+                  <a:srgbClr val="595959"/>
+                </a:solidFill>
+              </a:rPr>
+              <a:t>How</a:t>
+            </a:r>
+            <a:endParaRPr lang="nb-NO" sz="3200" b="1" dirty="0">
+              <a:solidFill>
+                <a:srgbClr val="595959"/>
+              </a:solidFill>
+            </a:endParaRPr>
+          </a:p>
+        </p:txBody>
+      </p:sp>
+      <p:sp>
+        <p:nvSpPr>
+          <p:cNvPr id="24" name="TekstSylinder 23"/>
+          <p:cNvSpPr txBox="1"/>
+          <p:nvPr/>
+        </p:nvSpPr>
+        <p:spPr>
+          <a:xfrm>
+            <a:off x="5667835" y="4113193"/>
+            <a:ext cx="1117037" cy="584775"/>
+          </a:xfrm>
+          <a:prstGeom prst="rect">
+            <a:avLst/>
+          </a:prstGeom>
+          <a:noFill/>
+        </p:spPr>
+        <p:txBody>
+          <a:bodyPr wrap="none" rtlCol="0">
+            <a:spAutoFit/>
+          </a:bodyPr>
+          <a:lstStyle/>
+          <a:p>
+            <a:r>
+              <a:rPr lang="nb-NO" sz="3200" b="1" dirty="0" err="1" smtClean="0"/>
+              <a:t>What</a:t>
+            </a:r>
+            <a:endParaRPr lang="nb-NO" sz="3200" b="1" dirty="0"/>
           </a:p>
         </p:txBody>
       </p:sp>

--- a/git/squash.pptx
+++ b/git/squash.pptx
@@ -3067,11 +3067,11 @@
           <a:prstGeom prst="straightConnector1">
             <a:avLst/>
           </a:prstGeom>
-          <a:ln>
+          <a:ln w="38100">
             <a:solidFill>
               <a:srgbClr val="595959"/>
             </a:solidFill>
-            <a:prstDash val="lgDash"/>
+            <a:prstDash val="sysDot"/>
             <a:tailEnd type="triangle"/>
           </a:ln>
         </p:spPr>
@@ -3289,11 +3289,11 @@
           <a:prstGeom prst="straightConnector1">
             <a:avLst/>
           </a:prstGeom>
-          <a:ln>
+          <a:ln w="38100">
             <a:solidFill>
               <a:srgbClr val="595959"/>
             </a:solidFill>
-            <a:prstDash val="lgDash"/>
+            <a:prstDash val="sysDot"/>
             <a:tailEnd type="triangle"/>
           </a:ln>
         </p:spPr>
@@ -3745,7 +3745,7 @@
           <a:lstStyle/>
           <a:p>
             <a:r>
-              <a:rPr lang="nb-NO" sz="2800" b="1" dirty="0" err="1" smtClean="0"/>
+              <a:rPr lang="nb-NO" sz="2800" dirty="0" err="1" smtClean="0"/>
               <a:t>What</a:t>
             </a:r>
             <a:r>
@@ -3758,14 +3758,10 @@
             </a:r>
             <a:r>
               <a:rPr lang="nb-NO" sz="2800" dirty="0" smtClean="0"/>
-              <a:t> is </a:t>
-            </a:r>
-            <a:r>
-              <a:rPr lang="nb-NO" sz="2800" dirty="0" smtClean="0"/>
-              <a:t>relevant, </a:t>
-            </a:r>
-            <a:r>
-              <a:rPr lang="nb-NO" sz="2800" b="1" dirty="0" smtClean="0">
+              <a:t> is relevant, </a:t>
+            </a:r>
+            <a:r>
+              <a:rPr lang="nb-NO" sz="2800" dirty="0" smtClean="0">
                 <a:solidFill>
                   <a:srgbClr val="7F7F7F"/>
                 </a:solidFill>
@@ -3773,7 +3769,7 @@
               <a:t>not </a:t>
             </a:r>
             <a:r>
-              <a:rPr lang="nb-NO" sz="2800" b="1" dirty="0">
+              <a:rPr lang="nb-NO" sz="2800" dirty="0">
                 <a:solidFill>
                   <a:srgbClr val="7F7F7F"/>
                 </a:solidFill>
@@ -3781,7 +3777,7 @@
               <a:t>H</a:t>
             </a:r>
             <a:r>
-              <a:rPr lang="nb-NO" sz="2800" b="1" dirty="0" smtClean="0">
+              <a:rPr lang="nb-NO" sz="2800" dirty="0" smtClean="0">
                 <a:solidFill>
                   <a:srgbClr val="7F7F7F"/>
                 </a:solidFill>
@@ -3789,7 +3785,7 @@
               <a:t>ow </a:t>
             </a:r>
             <a:r>
-              <a:rPr lang="nb-NO" sz="2800" b="1" dirty="0" err="1" smtClean="0">
+              <a:rPr lang="nb-NO" sz="2800" dirty="0" err="1" smtClean="0">
                 <a:solidFill>
                   <a:srgbClr val="7F7F7F"/>
                 </a:solidFill>
@@ -3797,7 +3793,7 @@
               <a:t>we</a:t>
             </a:r>
             <a:r>
-              <a:rPr lang="nb-NO" sz="2800" b="1" dirty="0" smtClean="0">
+              <a:rPr lang="nb-NO" sz="2800" dirty="0" smtClean="0">
                 <a:solidFill>
                   <a:srgbClr val="7F7F7F"/>
                 </a:solidFill>
@@ -3805,7 +3801,7 @@
               <a:t> </a:t>
             </a:r>
             <a:r>
-              <a:rPr lang="nb-NO" sz="2800" b="1" dirty="0" err="1" smtClean="0">
+              <a:rPr lang="nb-NO" sz="2800" dirty="0" err="1" smtClean="0">
                 <a:solidFill>
                   <a:srgbClr val="7F7F7F"/>
                 </a:solidFill>
@@ -3813,7 +3809,7 @@
               <a:t>changed</a:t>
             </a:r>
             <a:r>
-              <a:rPr lang="nb-NO" sz="2800" b="1" dirty="0" smtClean="0">
+              <a:rPr lang="nb-NO" sz="2800" dirty="0" smtClean="0">
                 <a:solidFill>
                   <a:srgbClr val="7F7F7F"/>
                 </a:solidFill>
@@ -3878,8 +3874,8 @@
         </p:nvSpPr>
         <p:spPr>
           <a:xfrm>
-            <a:off x="1561148" y="2027464"/>
-            <a:ext cx="3751476" cy="591806"/>
+            <a:off x="1561147" y="2027464"/>
+            <a:ext cx="4968183" cy="523220"/>
           </a:xfrm>
           <a:prstGeom prst="rect">
             <a:avLst/>
@@ -3893,8 +3889,12 @@
           <a:lstStyle/>
           <a:p>
             <a:r>
+              <a:rPr lang="nb-NO" sz="2800" b="1" dirty="0"/>
+              <a:t>Squash</a:t>
+            </a:r>
+            <a:r>
               <a:rPr lang="nb-NO" sz="2000" dirty="0"/>
-              <a:t>Squash all </a:t>
+              <a:t> all </a:t>
             </a:r>
             <a:r>
               <a:rPr lang="nb-NO" sz="2000" dirty="0" err="1" smtClean="0"/>

--- a/git/squash.pptx
+++ b/git/squash.pptx
@@ -3875,7 +3875,7 @@
         <p:spPr>
           <a:xfrm>
             <a:off x="1561147" y="2027464"/>
-            <a:ext cx="4968183" cy="523220"/>
+            <a:ext cx="4968183" cy="400110"/>
           </a:xfrm>
           <a:prstGeom prst="rect">
             <a:avLst/>
@@ -3889,12 +3889,8 @@
           <a:lstStyle/>
           <a:p>
             <a:r>
-              <a:rPr lang="nb-NO" sz="2800" b="1" dirty="0"/>
-              <a:t>Squash</a:t>
-            </a:r>
-            <a:r>
               <a:rPr lang="nb-NO" sz="2000" dirty="0"/>
-              <a:t> all </a:t>
+              <a:t>Squash all </a:t>
             </a:r>
             <a:r>
               <a:rPr lang="nb-NO" sz="2000" dirty="0" err="1" smtClean="0"/>
@@ -3939,8 +3935,8 @@
         </p:nvSpPr>
         <p:spPr>
           <a:xfrm>
-            <a:off x="2328018" y="3669627"/>
-            <a:ext cx="551754" cy="461665"/>
+            <a:off x="1766547" y="3685669"/>
+            <a:ext cx="1515158" cy="461665"/>
           </a:xfrm>
           <a:prstGeom prst="rect">
             <a:avLst/>
@@ -3965,6 +3961,17 @@
                 </a:solidFill>
               </a:rPr>
               <a:t>Git</a:t>
+            </a:r>
+            <a:r>
+              <a:rPr lang="nb-NO" sz="2400" dirty="0" smtClean="0">
+                <a:solidFill>
+                  <a:schemeClr val="tx1">
+                    <a:lumMod val="65000"/>
+                    <a:lumOff val="35000"/>
+                  </a:schemeClr>
+                </a:solidFill>
+              </a:rPr>
+              <a:t> Squash</a:t>
             </a:r>
             <a:endParaRPr lang="nb-NO" sz="2400" dirty="0">
               <a:solidFill>
